--- a/IoT.pptx
+++ b/IoT.pptx
@@ -7,21 +7,22 @@
   <p:sldIdLst>
     <p:sldId id="257" r:id="rId2"/>
     <p:sldId id="256" r:id="rId3"/>
-    <p:sldId id="258" r:id="rId4"/>
-    <p:sldId id="259" r:id="rId5"/>
-    <p:sldId id="260" r:id="rId6"/>
-    <p:sldId id="261" r:id="rId7"/>
-    <p:sldId id="262" r:id="rId8"/>
-    <p:sldId id="263" r:id="rId9"/>
-    <p:sldId id="267" r:id="rId10"/>
-    <p:sldId id="264" r:id="rId11"/>
-    <p:sldId id="265" r:id="rId12"/>
-    <p:sldId id="266" r:id="rId13"/>
-    <p:sldId id="268" r:id="rId14"/>
-    <p:sldId id="269" r:id="rId15"/>
-    <p:sldId id="270" r:id="rId16"/>
-    <p:sldId id="271" r:id="rId17"/>
-    <p:sldId id="272" r:id="rId18"/>
+    <p:sldId id="273" r:id="rId4"/>
+    <p:sldId id="258" r:id="rId5"/>
+    <p:sldId id="259" r:id="rId6"/>
+    <p:sldId id="260" r:id="rId7"/>
+    <p:sldId id="261" r:id="rId8"/>
+    <p:sldId id="262" r:id="rId9"/>
+    <p:sldId id="263" r:id="rId10"/>
+    <p:sldId id="267" r:id="rId11"/>
+    <p:sldId id="264" r:id="rId12"/>
+    <p:sldId id="265" r:id="rId13"/>
+    <p:sldId id="266" r:id="rId14"/>
+    <p:sldId id="268" r:id="rId15"/>
+    <p:sldId id="269" r:id="rId16"/>
+    <p:sldId id="270" r:id="rId17"/>
+    <p:sldId id="271" r:id="rId18"/>
+    <p:sldId id="272" r:id="rId19"/>
   </p:sldIdLst>
   <p:sldSz cx="9144000" cy="6858000" type="screen4x3"/>
   <p:notesSz cx="6858000" cy="9144000"/>
@@ -311,7 +312,7 @@
           <a:p>
             <a:fld id="{4B2CCBFD-CBC5-4423-9F92-C4C1FF4FDA27}" type="datetimeFigureOut">
               <a:rPr lang="en-US" smtClean="0"/>
-              <a:t>11/02/2024</a:t>
+              <a:t>12/02/2024</a:t>
             </a:fld>
             <a:endParaRPr lang="en-US"/>
           </a:p>
@@ -511,7 +512,7 @@
           <a:p>
             <a:fld id="{4B2CCBFD-CBC5-4423-9F92-C4C1FF4FDA27}" type="datetimeFigureOut">
               <a:rPr lang="en-US" smtClean="0"/>
-              <a:t>11/02/2024</a:t>
+              <a:t>12/02/2024</a:t>
             </a:fld>
             <a:endParaRPr lang="en-US"/>
           </a:p>
@@ -686,7 +687,7 @@
           <a:p>
             <a:fld id="{4B2CCBFD-CBC5-4423-9F92-C4C1FF4FDA27}" type="datetimeFigureOut">
               <a:rPr lang="en-US" smtClean="0"/>
-              <a:t>11/02/2024</a:t>
+              <a:t>12/02/2024</a:t>
             </a:fld>
             <a:endParaRPr lang="en-US"/>
           </a:p>
@@ -851,7 +852,7 @@
           <a:p>
             <a:fld id="{4B2CCBFD-CBC5-4423-9F92-C4C1FF4FDA27}" type="datetimeFigureOut">
               <a:rPr lang="en-US" smtClean="0"/>
-              <a:t>11/02/2024</a:t>
+              <a:t>12/02/2024</a:t>
             </a:fld>
             <a:endParaRPr lang="en-US"/>
           </a:p>
@@ -1099,7 +1100,7 @@
           <a:p>
             <a:fld id="{4B2CCBFD-CBC5-4423-9F92-C4C1FF4FDA27}" type="datetimeFigureOut">
               <a:rPr lang="en-US" smtClean="0"/>
-              <a:t>11/02/2024</a:t>
+              <a:t>12/02/2024</a:t>
             </a:fld>
             <a:endParaRPr lang="en-US"/>
           </a:p>
@@ -1417,7 +1418,7 @@
           <a:p>
             <a:fld id="{4B2CCBFD-CBC5-4423-9F92-C4C1FF4FDA27}" type="datetimeFigureOut">
               <a:rPr lang="en-US" smtClean="0"/>
-              <a:t>11/02/2024</a:t>
+              <a:t>12/02/2024</a:t>
             </a:fld>
             <a:endParaRPr lang="en-US"/>
           </a:p>
@@ -1883,7 +1884,7 @@
           <a:p>
             <a:fld id="{4B2CCBFD-CBC5-4423-9F92-C4C1FF4FDA27}" type="datetimeFigureOut">
               <a:rPr lang="en-US" smtClean="0"/>
-              <a:t>11/02/2024</a:t>
+              <a:t>12/02/2024</a:t>
             </a:fld>
             <a:endParaRPr lang="en-US"/>
           </a:p>
@@ -2031,7 +2032,7 @@
           <a:p>
             <a:fld id="{4B2CCBFD-CBC5-4423-9F92-C4C1FF4FDA27}" type="datetimeFigureOut">
               <a:rPr lang="en-US" smtClean="0"/>
-              <a:t>11/02/2024</a:t>
+              <a:t>12/02/2024</a:t>
             </a:fld>
             <a:endParaRPr lang="en-US"/>
           </a:p>
@@ -2121,7 +2122,7 @@
           <a:p>
             <a:fld id="{4B2CCBFD-CBC5-4423-9F92-C4C1FF4FDA27}" type="datetimeFigureOut">
               <a:rPr lang="en-US" smtClean="0"/>
-              <a:t>11/02/2024</a:t>
+              <a:t>12/02/2024</a:t>
             </a:fld>
             <a:endParaRPr lang="en-US"/>
           </a:p>
@@ -2395,7 +2396,7 @@
           <a:p>
             <a:fld id="{4B2CCBFD-CBC5-4423-9F92-C4C1FF4FDA27}" type="datetimeFigureOut">
               <a:rPr lang="en-US" smtClean="0"/>
-              <a:t>11/02/2024</a:t>
+              <a:t>12/02/2024</a:t>
             </a:fld>
             <a:endParaRPr lang="en-US"/>
           </a:p>
@@ -2700,7 +2701,7 @@
           <a:p>
             <a:fld id="{4B2CCBFD-CBC5-4423-9F92-C4C1FF4FDA27}" type="datetimeFigureOut">
               <a:rPr lang="en-US" smtClean="0"/>
-              <a:t>11/02/2024</a:t>
+              <a:t>12/02/2024</a:t>
             </a:fld>
             <a:endParaRPr lang="en-US"/>
           </a:p>
@@ -2998,7 +2999,7 @@
           <a:p>
             <a:fld id="{4B2CCBFD-CBC5-4423-9F92-C4C1FF4FDA27}" type="datetimeFigureOut">
               <a:rPr lang="en-US" smtClean="0"/>
-              <a:t>11/02/2024</a:t>
+              <a:t>12/02/2024</a:t>
             </a:fld>
             <a:endParaRPr lang="en-US"/>
           </a:p>
@@ -3446,13 +3447,13 @@
   <p:clrMapOvr>
     <a:masterClrMapping/>
   </p:clrMapOvr>
-  <mc:AlternateContent xmlns:mc="http://schemas.openxmlformats.org/markup-compatibility/2006">
-    <mc:Choice xmlns:p14="http://schemas.microsoft.com/office/powerpoint/2010/main" Requires="p14">
+  <mc:AlternateContent xmlns:mc="http://schemas.openxmlformats.org/markup-compatibility/2006" xmlns:p14="http://schemas.microsoft.com/office/powerpoint/2010/main">
+    <mc:Choice Requires="p14">
       <p:transition p14:dur="100">
         <p:cut/>
       </p:transition>
     </mc:Choice>
-    <mc:Fallback>
+    <mc:Fallback xmlns="">
       <p:transition>
         <p:cut/>
       </p:transition>
@@ -3495,7 +3496,200 @@
             <p:ph type="title"/>
           </p:nvPr>
         </p:nvSpPr>
+        <p:spPr>
+          <a:xfrm>
+            <a:off x="1790700" y="381000"/>
+            <a:ext cx="5562600" cy="990600"/>
+          </a:xfrm>
+        </p:spPr>
+        <p:txBody>
+          <a:bodyPr>
+            <a:normAutofit fontScale="90000"/>
+          </a:bodyPr>
+          <a:lstStyle/>
+          <a:p>
+            <a:r>
+              <a:rPr lang="en-US" dirty="0" err="1" smtClean="0"/>
+              <a:t>IoT</a:t>
+            </a:r>
+            <a:r>
+              <a:rPr lang="en-US" dirty="0" smtClean="0"/>
+              <a:t> Devices &amp; Components</a:t>
+            </a:r>
+            <a:endParaRPr lang="en-US" dirty="0"/>
+          </a:p>
+        </p:txBody>
+      </p:sp>
+      <p:sp>
+        <p:nvSpPr>
+          <p:cNvPr id="3" name="Content Placeholder 2"/>
+          <p:cNvSpPr>
+            <a:spLocks noGrp="1"/>
+          </p:cNvSpPr>
+          <p:nvPr>
+            <p:ph idx="1"/>
+          </p:nvPr>
+        </p:nvSpPr>
         <p:spPr/>
+        <p:txBody>
+          <a:bodyPr/>
+          <a:lstStyle/>
+          <a:p>
+            <a:pPr>
+              <a:lnSpc>
+                <a:spcPct val="200000"/>
+              </a:lnSpc>
+            </a:pPr>
+            <a:r>
+              <a:rPr lang="en-US" dirty="0"/>
+              <a:t>Microcontrollers and Microprocessors</a:t>
+            </a:r>
+          </a:p>
+          <a:p>
+            <a:pPr>
+              <a:lnSpc>
+                <a:spcPct val="200000"/>
+              </a:lnSpc>
+            </a:pPr>
+            <a:r>
+              <a:rPr lang="en-US" dirty="0"/>
+              <a:t>Sensors and Actuators</a:t>
+            </a:r>
+          </a:p>
+          <a:p>
+            <a:pPr>
+              <a:lnSpc>
+                <a:spcPct val="200000"/>
+              </a:lnSpc>
+            </a:pPr>
+            <a:r>
+              <a:rPr lang="en-US" dirty="0"/>
+              <a:t>Communication Modules (Wi-Fi, Bluetooth, RFID)</a:t>
+            </a:r>
+          </a:p>
+          <a:p>
+            <a:pPr>
+              <a:lnSpc>
+                <a:spcPct val="200000"/>
+              </a:lnSpc>
+            </a:pPr>
+            <a:r>
+              <a:rPr lang="en-US" dirty="0" err="1"/>
+              <a:t>IoT</a:t>
+            </a:r>
+            <a:r>
+              <a:rPr lang="en-US" dirty="0"/>
+              <a:t> Hardware Platforms (</a:t>
+            </a:r>
+            <a:r>
+              <a:rPr lang="en-US" dirty="0" err="1"/>
+              <a:t>Arduino</a:t>
+            </a:r>
+            <a:r>
+              <a:rPr lang="en-US" dirty="0"/>
+              <a:t>, </a:t>
+            </a:r>
+            <a:r>
+              <a:rPr lang="en-US" dirty="0" err="1" smtClean="0"/>
+              <a:t>NodeMCU</a:t>
+            </a:r>
+            <a:r>
+              <a:rPr lang="en-US" dirty="0" smtClean="0"/>
+              <a:t> esp8266, Raspberry </a:t>
+            </a:r>
+            <a:r>
+              <a:rPr lang="en-US" dirty="0"/>
+              <a:t>Pi</a:t>
+            </a:r>
+            <a:r>
+              <a:rPr lang="en-US" dirty="0" smtClean="0"/>
+              <a:t>)</a:t>
+            </a:r>
+            <a:endParaRPr lang="en-US" dirty="0"/>
+          </a:p>
+          <a:p>
+            <a:pPr>
+              <a:lnSpc>
+                <a:spcPct val="200000"/>
+              </a:lnSpc>
+            </a:pPr>
+            <a:endParaRPr lang="en-US" dirty="0"/>
+          </a:p>
+          <a:p>
+            <a:pPr>
+              <a:lnSpc>
+                <a:spcPct val="200000"/>
+              </a:lnSpc>
+            </a:pPr>
+            <a:endParaRPr lang="en-US" dirty="0"/>
+          </a:p>
+        </p:txBody>
+      </p:sp>
+    </p:spTree>
+    <p:extLst>
+      <p:ext uri="{BB962C8B-B14F-4D97-AF65-F5344CB8AC3E}">
+        <p14:creationId xmlns:p14="http://schemas.microsoft.com/office/powerpoint/2010/main" val="1957181055"/>
+      </p:ext>
+    </p:extLst>
+  </p:cSld>
+  <p:clrMapOvr>
+    <a:masterClrMapping/>
+  </p:clrMapOvr>
+  <mc:AlternateContent xmlns:mc="http://schemas.openxmlformats.org/markup-compatibility/2006" xmlns:p14="http://schemas.microsoft.com/office/powerpoint/2010/main">
+    <mc:Choice Requires="p14">
+      <p:transition p14:dur="100">
+        <p:cut/>
+      </p:transition>
+    </mc:Choice>
+    <mc:Fallback xmlns="">
+      <p:transition>
+        <p:cut/>
+      </p:transition>
+    </mc:Fallback>
+  </mc:AlternateContent>
+  <p:timing>
+    <p:tnLst>
+      <p:par>
+        <p:cTn id="1" dur="indefinite" restart="never" nodeType="tmRoot"/>
+      </p:par>
+    </p:tnLst>
+  </p:timing>
+</p:sld>
+</file>
+
+<file path=ppt/slides/slide11.xml><?xml version="1.0" encoding="utf-8"?>
+<p:sld xmlns:a="http://schemas.openxmlformats.org/drawingml/2006/main" xmlns:r="http://schemas.openxmlformats.org/officeDocument/2006/relationships" xmlns:p="http://schemas.openxmlformats.org/presentationml/2006/main">
+  <p:cSld>
+    <p:spTree>
+      <p:nvGrpSpPr>
+        <p:cNvPr id="1" name=""/>
+        <p:cNvGrpSpPr/>
+        <p:nvPr/>
+      </p:nvGrpSpPr>
+      <p:grpSpPr>
+        <a:xfrm>
+          <a:off x="0" y="0"/>
+          <a:ext cx="0" cy="0"/>
+          <a:chOff x="0" y="0"/>
+          <a:chExt cx="0" cy="0"/>
+        </a:xfrm>
+      </p:grpSpPr>
+      <p:sp>
+        <p:nvSpPr>
+          <p:cNvPr id="2" name="Title 1"/>
+          <p:cNvSpPr>
+            <a:spLocks noGrp="1"/>
+          </p:cNvSpPr>
+          <p:nvPr>
+            <p:ph type="title"/>
+          </p:nvPr>
+        </p:nvSpPr>
+        <p:spPr>
+          <a:xfrm>
+            <a:off x="2438400" y="381000"/>
+            <a:ext cx="4267200" cy="990600"/>
+          </a:xfrm>
+        </p:spPr>
         <p:txBody>
           <a:bodyPr/>
           <a:lstStyle/>
@@ -3652,13 +3846,13 @@
   <p:clrMapOvr>
     <a:masterClrMapping/>
   </p:clrMapOvr>
-  <mc:AlternateContent xmlns:mc="http://schemas.openxmlformats.org/markup-compatibility/2006">
-    <mc:Choice xmlns:p14="http://schemas.microsoft.com/office/powerpoint/2010/main" Requires="p14">
+  <mc:AlternateContent xmlns:mc="http://schemas.openxmlformats.org/markup-compatibility/2006" xmlns:p14="http://schemas.microsoft.com/office/powerpoint/2010/main">
+    <mc:Choice Requires="p14">
       <p:transition p14:dur="100">
         <p:cut/>
       </p:transition>
     </mc:Choice>
-    <mc:Fallback>
+    <mc:Fallback xmlns="">
       <p:transition>
         <p:cut/>
       </p:transition>
@@ -3674,7 +3868,7 @@
 </p:sld>
 </file>
 
-<file path=ppt/slides/slide11.xml><?xml version="1.0" encoding="utf-8"?>
+<file path=ppt/slides/slide12.xml><?xml version="1.0" encoding="utf-8"?>
 <p:sld xmlns:a="http://schemas.openxmlformats.org/drawingml/2006/main" xmlns:r="http://schemas.openxmlformats.org/officeDocument/2006/relationships" xmlns:p="http://schemas.openxmlformats.org/presentationml/2006/main">
   <p:cSld>
     <p:spTree>
@@ -3701,9 +3895,16 @@
             <p:ph type="title"/>
           </p:nvPr>
         </p:nvSpPr>
-        <p:spPr/>
-        <p:txBody>
-          <a:bodyPr/>
+        <p:spPr>
+          <a:xfrm>
+            <a:off x="2209800" y="381000"/>
+            <a:ext cx="4724400" cy="990600"/>
+          </a:xfrm>
+        </p:spPr>
+        <p:txBody>
+          <a:bodyPr>
+            <a:normAutofit fontScale="90000"/>
+          </a:bodyPr>
           <a:lstStyle/>
           <a:p>
             <a:r>
@@ -3889,242 +4090,13 @@
   <p:clrMapOvr>
     <a:masterClrMapping/>
   </p:clrMapOvr>
-  <mc:AlternateContent xmlns:mc="http://schemas.openxmlformats.org/markup-compatibility/2006">
-    <mc:Choice xmlns:p14="http://schemas.microsoft.com/office/powerpoint/2010/main" Requires="p14">
+  <mc:AlternateContent xmlns:mc="http://schemas.openxmlformats.org/markup-compatibility/2006" xmlns:p14="http://schemas.microsoft.com/office/powerpoint/2010/main">
+    <mc:Choice Requires="p14">
       <p:transition p14:dur="100">
         <p:cut/>
       </p:transition>
     </mc:Choice>
-    <mc:Fallback>
-      <p:transition>
-        <p:cut/>
-      </p:transition>
-    </mc:Fallback>
-  </mc:AlternateContent>
-  <p:timing>
-    <p:tnLst>
-      <p:par>
-        <p:cTn id="1" dur="indefinite" restart="never" nodeType="tmRoot"/>
-      </p:par>
-    </p:tnLst>
-  </p:timing>
-</p:sld>
-</file>
-
-<file path=ppt/slides/slide12.xml><?xml version="1.0" encoding="utf-8"?>
-<p:sld xmlns:a="http://schemas.openxmlformats.org/drawingml/2006/main" xmlns:r="http://schemas.openxmlformats.org/officeDocument/2006/relationships" xmlns:p="http://schemas.openxmlformats.org/presentationml/2006/main">
-  <p:cSld>
-    <p:spTree>
-      <p:nvGrpSpPr>
-        <p:cNvPr id="1" name=""/>
-        <p:cNvGrpSpPr/>
-        <p:nvPr/>
-      </p:nvGrpSpPr>
-      <p:grpSpPr>
-        <a:xfrm>
-          <a:off x="0" y="0"/>
-          <a:ext cx="0" cy="0"/>
-          <a:chOff x="0" y="0"/>
-          <a:chExt cx="0" cy="0"/>
-        </a:xfrm>
-      </p:grpSpPr>
-      <p:sp>
-        <p:nvSpPr>
-          <p:cNvPr id="2" name="Title 1"/>
-          <p:cNvSpPr>
-            <a:spLocks noGrp="1"/>
-          </p:cNvSpPr>
-          <p:nvPr>
-            <p:ph type="title"/>
-          </p:nvPr>
-        </p:nvSpPr>
-        <p:spPr/>
-        <p:txBody>
-          <a:bodyPr/>
-          <a:lstStyle/>
-          <a:p>
-            <a:r>
-              <a:rPr lang="en-US" dirty="0" err="1" smtClean="0"/>
-              <a:t>IoT</a:t>
-            </a:r>
-            <a:r>
-              <a:rPr lang="en-US" dirty="0" smtClean="0"/>
-              <a:t> Applications</a:t>
-            </a:r>
-            <a:endParaRPr lang="en-US" dirty="0"/>
-          </a:p>
-        </p:txBody>
-      </p:sp>
-      <p:sp>
-        <p:nvSpPr>
-          <p:cNvPr id="3" name="Content Placeholder 2"/>
-          <p:cNvSpPr>
-            <a:spLocks noGrp="1"/>
-          </p:cNvSpPr>
-          <p:nvPr>
-            <p:ph idx="1"/>
-          </p:nvPr>
-        </p:nvSpPr>
-        <p:spPr>
-          <a:xfrm>
-            <a:off x="457200" y="1371600"/>
-            <a:ext cx="8229600" cy="4876800"/>
-          </a:xfrm>
-        </p:spPr>
-        <p:txBody>
-          <a:bodyPr>
-            <a:normAutofit fontScale="70000" lnSpcReduction="20000"/>
-          </a:bodyPr>
-          <a:lstStyle/>
-          <a:p>
-            <a:pPr fontAlgn="base"/>
-            <a:r>
-              <a:rPr lang="en-US" dirty="0"/>
-              <a:t>Smart Grids and energy saving</a:t>
-            </a:r>
-          </a:p>
-          <a:p>
-            <a:pPr fontAlgn="base"/>
-            <a:r>
-              <a:rPr lang="en-US" dirty="0"/>
-              <a:t>Smart cities</a:t>
-            </a:r>
-          </a:p>
-          <a:p>
-            <a:pPr fontAlgn="base"/>
-            <a:r>
-              <a:rPr lang="en-US" dirty="0"/>
-              <a:t>Smart homes/Home automation</a:t>
-            </a:r>
-          </a:p>
-          <a:p>
-            <a:pPr fontAlgn="base"/>
-            <a:r>
-              <a:rPr lang="en-US" dirty="0"/>
-              <a:t>Healthcare</a:t>
-            </a:r>
-          </a:p>
-          <a:p>
-            <a:pPr fontAlgn="base"/>
-            <a:r>
-              <a:rPr lang="en-US" dirty="0"/>
-              <a:t>Earthquake detection</a:t>
-            </a:r>
-          </a:p>
-          <a:p>
-            <a:pPr fontAlgn="base"/>
-            <a:r>
-              <a:rPr lang="en-US" dirty="0"/>
-              <a:t>Radiation detection/hazardous gas detection</a:t>
-            </a:r>
-          </a:p>
-          <a:p>
-            <a:pPr fontAlgn="base"/>
-            <a:r>
-              <a:rPr lang="en-US" dirty="0"/>
-              <a:t>Smartphone detection</a:t>
-            </a:r>
-          </a:p>
-          <a:p>
-            <a:pPr fontAlgn="base"/>
-            <a:r>
-              <a:rPr lang="en-US" dirty="0"/>
-              <a:t>Water flow monitoring</a:t>
-            </a:r>
-          </a:p>
-          <a:p>
-            <a:pPr fontAlgn="base"/>
-            <a:r>
-              <a:rPr lang="en-US" dirty="0"/>
-              <a:t>Traffic monitoring</a:t>
-            </a:r>
-          </a:p>
-          <a:p>
-            <a:pPr fontAlgn="base"/>
-            <a:r>
-              <a:rPr lang="en-US" dirty="0" err="1"/>
-              <a:t>Wearables</a:t>
-            </a:r>
-            <a:endParaRPr lang="en-US" dirty="0"/>
-          </a:p>
-          <a:p>
-            <a:pPr fontAlgn="base"/>
-            <a:r>
-              <a:rPr lang="en-US" dirty="0"/>
-              <a:t>Smart door lock protection system</a:t>
-            </a:r>
-          </a:p>
-          <a:p>
-            <a:pPr fontAlgn="base"/>
-            <a:r>
-              <a:rPr lang="en-US" dirty="0"/>
-              <a:t>Robots and Drones</a:t>
-            </a:r>
-          </a:p>
-          <a:p>
-            <a:pPr fontAlgn="base"/>
-            <a:r>
-              <a:rPr lang="en-US" dirty="0"/>
-              <a:t>Healthcare and Hospitals, Telemedicine applications</a:t>
-            </a:r>
-          </a:p>
-          <a:p>
-            <a:pPr fontAlgn="base"/>
-            <a:r>
-              <a:rPr lang="en-US" dirty="0"/>
-              <a:t>Security</a:t>
-            </a:r>
-          </a:p>
-          <a:p>
-            <a:pPr fontAlgn="base"/>
-            <a:r>
-              <a:rPr lang="en-US" dirty="0"/>
-              <a:t>Biochip Transponders (For animals in farms)</a:t>
-            </a:r>
-          </a:p>
-          <a:p>
-            <a:pPr fontAlgn="base"/>
-            <a:r>
-              <a:rPr lang="en-US" dirty="0"/>
-              <a:t>Heart monitoring implants (Example Pacemaker, ECG real time tracking)</a:t>
-            </a:r>
-          </a:p>
-          <a:p>
-            <a:pPr fontAlgn="base"/>
-            <a:r>
-              <a:rPr lang="en-US" dirty="0"/>
-              <a:t>Agriculture</a:t>
-            </a:r>
-          </a:p>
-          <a:p>
-            <a:pPr fontAlgn="base"/>
-            <a:r>
-              <a:rPr lang="en-US" dirty="0"/>
-              <a:t>Industry</a:t>
-            </a:r>
-          </a:p>
-          <a:p>
-            <a:endParaRPr lang="en-US" dirty="0"/>
-          </a:p>
-        </p:txBody>
-      </p:sp>
-    </p:spTree>
-    <p:extLst>
-      <p:ext uri="{BB962C8B-B14F-4D97-AF65-F5344CB8AC3E}">
-        <p14:creationId xmlns:p14="http://schemas.microsoft.com/office/powerpoint/2010/main" val="3210861883"/>
-      </p:ext>
-    </p:extLst>
-  </p:cSld>
-  <p:clrMapOvr>
-    <a:masterClrMapping/>
-  </p:clrMapOvr>
-  <mc:AlternateContent xmlns:mc="http://schemas.openxmlformats.org/markup-compatibility/2006">
-    <mc:Choice xmlns:p14="http://schemas.microsoft.com/office/powerpoint/2010/main" Requires="p14">
-      <p:transition p14:dur="100">
-        <p:cut/>
-      </p:transition>
-    </mc:Choice>
-    <mc:Fallback>
+    <mc:Fallback xmlns="">
       <p:transition>
         <p:cut/>
       </p:transition>
@@ -4167,7 +4139,246 @@
             <p:ph type="title"/>
           </p:nvPr>
         </p:nvSpPr>
-        <p:spPr/>
+        <p:spPr>
+          <a:xfrm>
+            <a:off x="2781300" y="381000"/>
+            <a:ext cx="3581400" cy="990600"/>
+          </a:xfrm>
+        </p:spPr>
+        <p:txBody>
+          <a:bodyPr/>
+          <a:lstStyle/>
+          <a:p>
+            <a:r>
+              <a:rPr lang="en-US" dirty="0" err="1" smtClean="0"/>
+              <a:t>IoT</a:t>
+            </a:r>
+            <a:r>
+              <a:rPr lang="en-US" dirty="0" smtClean="0"/>
+              <a:t> Applications</a:t>
+            </a:r>
+            <a:endParaRPr lang="en-US" dirty="0"/>
+          </a:p>
+        </p:txBody>
+      </p:sp>
+      <p:sp>
+        <p:nvSpPr>
+          <p:cNvPr id="3" name="Content Placeholder 2"/>
+          <p:cNvSpPr>
+            <a:spLocks noGrp="1"/>
+          </p:cNvSpPr>
+          <p:nvPr>
+            <p:ph idx="1"/>
+          </p:nvPr>
+        </p:nvSpPr>
+        <p:spPr>
+          <a:xfrm>
+            <a:off x="457200" y="1371600"/>
+            <a:ext cx="8229600" cy="4876800"/>
+          </a:xfrm>
+        </p:spPr>
+        <p:txBody>
+          <a:bodyPr>
+            <a:normAutofit fontScale="70000" lnSpcReduction="20000"/>
+          </a:bodyPr>
+          <a:lstStyle/>
+          <a:p>
+            <a:pPr fontAlgn="base"/>
+            <a:r>
+              <a:rPr lang="en-US" dirty="0"/>
+              <a:t>Smart Grids and energy saving</a:t>
+            </a:r>
+          </a:p>
+          <a:p>
+            <a:pPr fontAlgn="base"/>
+            <a:r>
+              <a:rPr lang="en-US" dirty="0"/>
+              <a:t>Smart cities</a:t>
+            </a:r>
+          </a:p>
+          <a:p>
+            <a:pPr fontAlgn="base"/>
+            <a:r>
+              <a:rPr lang="en-US" dirty="0"/>
+              <a:t>Smart homes/Home automation</a:t>
+            </a:r>
+          </a:p>
+          <a:p>
+            <a:pPr fontAlgn="base"/>
+            <a:r>
+              <a:rPr lang="en-US" dirty="0"/>
+              <a:t>Healthcare</a:t>
+            </a:r>
+          </a:p>
+          <a:p>
+            <a:pPr fontAlgn="base"/>
+            <a:r>
+              <a:rPr lang="en-US" dirty="0"/>
+              <a:t>Earthquake detection</a:t>
+            </a:r>
+          </a:p>
+          <a:p>
+            <a:pPr fontAlgn="base"/>
+            <a:r>
+              <a:rPr lang="en-US" dirty="0"/>
+              <a:t>Radiation detection/hazardous gas detection</a:t>
+            </a:r>
+          </a:p>
+          <a:p>
+            <a:pPr fontAlgn="base"/>
+            <a:r>
+              <a:rPr lang="en-US" dirty="0"/>
+              <a:t>Smartphone detection</a:t>
+            </a:r>
+          </a:p>
+          <a:p>
+            <a:pPr fontAlgn="base"/>
+            <a:r>
+              <a:rPr lang="en-US" dirty="0"/>
+              <a:t>Water flow monitoring</a:t>
+            </a:r>
+          </a:p>
+          <a:p>
+            <a:pPr fontAlgn="base"/>
+            <a:r>
+              <a:rPr lang="en-US" dirty="0"/>
+              <a:t>Traffic monitoring</a:t>
+            </a:r>
+          </a:p>
+          <a:p>
+            <a:pPr fontAlgn="base"/>
+            <a:r>
+              <a:rPr lang="en-US" dirty="0" err="1"/>
+              <a:t>Wearables</a:t>
+            </a:r>
+            <a:endParaRPr lang="en-US" dirty="0"/>
+          </a:p>
+          <a:p>
+            <a:pPr fontAlgn="base"/>
+            <a:r>
+              <a:rPr lang="en-US" dirty="0"/>
+              <a:t>Smart door lock protection system</a:t>
+            </a:r>
+          </a:p>
+          <a:p>
+            <a:pPr fontAlgn="base"/>
+            <a:r>
+              <a:rPr lang="en-US" dirty="0"/>
+              <a:t>Robots and Drones</a:t>
+            </a:r>
+          </a:p>
+          <a:p>
+            <a:pPr fontAlgn="base"/>
+            <a:r>
+              <a:rPr lang="en-US" dirty="0"/>
+              <a:t>Healthcare and Hospitals, Telemedicine applications</a:t>
+            </a:r>
+          </a:p>
+          <a:p>
+            <a:pPr fontAlgn="base"/>
+            <a:r>
+              <a:rPr lang="en-US" dirty="0"/>
+              <a:t>Security</a:t>
+            </a:r>
+          </a:p>
+          <a:p>
+            <a:pPr fontAlgn="base"/>
+            <a:r>
+              <a:rPr lang="en-US" dirty="0"/>
+              <a:t>Biochip Transponders (For animals in farms)</a:t>
+            </a:r>
+          </a:p>
+          <a:p>
+            <a:pPr fontAlgn="base"/>
+            <a:r>
+              <a:rPr lang="en-US" dirty="0"/>
+              <a:t>Heart monitoring implants (Example Pacemaker, ECG real time tracking)</a:t>
+            </a:r>
+          </a:p>
+          <a:p>
+            <a:pPr fontAlgn="base"/>
+            <a:r>
+              <a:rPr lang="en-US" dirty="0"/>
+              <a:t>Agriculture</a:t>
+            </a:r>
+          </a:p>
+          <a:p>
+            <a:pPr fontAlgn="base"/>
+            <a:r>
+              <a:rPr lang="en-US" dirty="0"/>
+              <a:t>Industry</a:t>
+            </a:r>
+          </a:p>
+          <a:p>
+            <a:endParaRPr lang="en-US" dirty="0"/>
+          </a:p>
+        </p:txBody>
+      </p:sp>
+    </p:spTree>
+    <p:extLst>
+      <p:ext uri="{BB962C8B-B14F-4D97-AF65-F5344CB8AC3E}">
+        <p14:creationId xmlns:p14="http://schemas.microsoft.com/office/powerpoint/2010/main" val="3210861883"/>
+      </p:ext>
+    </p:extLst>
+  </p:cSld>
+  <p:clrMapOvr>
+    <a:masterClrMapping/>
+  </p:clrMapOvr>
+  <mc:AlternateContent xmlns:mc="http://schemas.openxmlformats.org/markup-compatibility/2006" xmlns:p14="http://schemas.microsoft.com/office/powerpoint/2010/main">
+    <mc:Choice Requires="p14">
+      <p:transition p14:dur="100">
+        <p:cut/>
+      </p:transition>
+    </mc:Choice>
+    <mc:Fallback xmlns="">
+      <p:transition>
+        <p:cut/>
+      </p:transition>
+    </mc:Fallback>
+  </mc:AlternateContent>
+  <p:timing>
+    <p:tnLst>
+      <p:par>
+        <p:cTn id="1" dur="indefinite" restart="never" nodeType="tmRoot"/>
+      </p:par>
+    </p:tnLst>
+  </p:timing>
+</p:sld>
+</file>
+
+<file path=ppt/slides/slide14.xml><?xml version="1.0" encoding="utf-8"?>
+<p:sld xmlns:a="http://schemas.openxmlformats.org/drawingml/2006/main" xmlns:r="http://schemas.openxmlformats.org/officeDocument/2006/relationships" xmlns:p="http://schemas.openxmlformats.org/presentationml/2006/main">
+  <p:cSld>
+    <p:spTree>
+      <p:nvGrpSpPr>
+        <p:cNvPr id="1" name=""/>
+        <p:cNvGrpSpPr/>
+        <p:nvPr/>
+      </p:nvGrpSpPr>
+      <p:grpSpPr>
+        <a:xfrm>
+          <a:off x="0" y="0"/>
+          <a:ext cx="0" cy="0"/>
+          <a:chOff x="0" y="0"/>
+          <a:chExt cx="0" cy="0"/>
+        </a:xfrm>
+      </p:grpSpPr>
+      <p:sp>
+        <p:nvSpPr>
+          <p:cNvPr id="2" name="Title 1"/>
+          <p:cNvSpPr>
+            <a:spLocks noGrp="1"/>
+          </p:cNvSpPr>
+          <p:nvPr>
+            <p:ph type="title"/>
+          </p:nvPr>
+        </p:nvSpPr>
+        <p:spPr>
+          <a:xfrm>
+            <a:off x="2971800" y="381000"/>
+            <a:ext cx="3200400" cy="990600"/>
+          </a:xfrm>
+        </p:spPr>
         <p:txBody>
           <a:bodyPr/>
           <a:lstStyle/>
@@ -4203,7 +4414,7 @@
         </p:blipFill>
         <p:spPr bwMode="auto">
           <a:xfrm>
-            <a:off x="533400" y="1762124"/>
+            <a:off x="533400" y="1447800"/>
             <a:ext cx="8153400" cy="4638676"/>
           </a:xfrm>
           <a:prstGeom prst="rect">
@@ -4254,13 +4465,13 @@
   <p:clrMapOvr>
     <a:masterClrMapping/>
   </p:clrMapOvr>
-  <mc:AlternateContent xmlns:mc="http://schemas.openxmlformats.org/markup-compatibility/2006">
-    <mc:Choice xmlns:p14="http://schemas.microsoft.com/office/powerpoint/2010/main" Requires="p14">
+  <mc:AlternateContent xmlns:mc="http://schemas.openxmlformats.org/markup-compatibility/2006" xmlns:p14="http://schemas.microsoft.com/office/powerpoint/2010/main">
+    <mc:Choice Requires="p14">
       <p:transition p14:dur="100">
         <p:cut/>
       </p:transition>
     </mc:Choice>
-    <mc:Fallback>
+    <mc:Fallback xmlns="">
       <p:transition>
         <p:cut/>
       </p:transition>
@@ -4276,7 +4487,7 @@
 </p:sld>
 </file>
 
-<file path=ppt/slides/slide14.xml><?xml version="1.0" encoding="utf-8"?>
+<file path=ppt/slides/slide15.xml><?xml version="1.0" encoding="utf-8"?>
 <p:sld xmlns:a="http://schemas.openxmlformats.org/drawingml/2006/main" xmlns:r="http://schemas.openxmlformats.org/officeDocument/2006/relationships" xmlns:p="http://schemas.openxmlformats.org/presentationml/2006/main">
   <p:cSld>
     <p:spTree>
@@ -4303,7 +4514,12 @@
             <p:ph type="title"/>
           </p:nvPr>
         </p:nvSpPr>
-        <p:spPr/>
+        <p:spPr>
+          <a:xfrm>
+            <a:off x="3314700" y="533400"/>
+            <a:ext cx="2514600" cy="990600"/>
+          </a:xfrm>
+        </p:spPr>
         <p:txBody>
           <a:bodyPr/>
           <a:lstStyle/>
@@ -4390,13 +4606,13 @@
   <p:clrMapOvr>
     <a:masterClrMapping/>
   </p:clrMapOvr>
-  <mc:AlternateContent xmlns:mc="http://schemas.openxmlformats.org/markup-compatibility/2006">
-    <mc:Choice xmlns:p14="http://schemas.microsoft.com/office/powerpoint/2010/main" Requires="p14">
+  <mc:AlternateContent xmlns:mc="http://schemas.openxmlformats.org/markup-compatibility/2006" xmlns:p14="http://schemas.microsoft.com/office/powerpoint/2010/main">
+    <mc:Choice Requires="p14">
       <p:transition p14:dur="100">
         <p:cut/>
       </p:transition>
     </mc:Choice>
-    <mc:Fallback>
+    <mc:Fallback xmlns="">
       <p:transition>
         <p:cut/>
       </p:transition>
@@ -4412,7 +4628,7 @@
 </p:sld>
 </file>
 
-<file path=ppt/slides/slide15.xml><?xml version="1.0" encoding="utf-8"?>
+<file path=ppt/slides/slide16.xml><?xml version="1.0" encoding="utf-8"?>
 <p:sld xmlns:a="http://schemas.openxmlformats.org/drawingml/2006/main" xmlns:r="http://schemas.openxmlformats.org/officeDocument/2006/relationships" xmlns:p="http://schemas.openxmlformats.org/presentationml/2006/main">
   <p:cSld>
     <p:spTree>
@@ -4439,7 +4655,12 @@
             <p:ph type="title"/>
           </p:nvPr>
         </p:nvSpPr>
-        <p:spPr/>
+        <p:spPr>
+          <a:xfrm>
+            <a:off x="3086100" y="533400"/>
+            <a:ext cx="2971800" cy="990600"/>
+          </a:xfrm>
+        </p:spPr>
         <p:txBody>
           <a:bodyPr/>
           <a:lstStyle/>
@@ -4526,13 +4747,13 @@
   <p:clrMapOvr>
     <a:masterClrMapping/>
   </p:clrMapOvr>
-  <mc:AlternateContent xmlns:mc="http://schemas.openxmlformats.org/markup-compatibility/2006">
-    <mc:Choice xmlns:p14="http://schemas.microsoft.com/office/powerpoint/2010/main" Requires="p14">
+  <mc:AlternateContent xmlns:mc="http://schemas.openxmlformats.org/markup-compatibility/2006" xmlns:p14="http://schemas.microsoft.com/office/powerpoint/2010/main">
+    <mc:Choice Requires="p14">
       <p:transition p14:dur="100">
         <p:cut/>
       </p:transition>
     </mc:Choice>
-    <mc:Fallback>
+    <mc:Fallback xmlns="">
       <p:transition>
         <p:cut/>
       </p:transition>
@@ -4548,7 +4769,7 @@
 </p:sld>
 </file>
 
-<file path=ppt/slides/slide16.xml><?xml version="1.0" encoding="utf-8"?>
+<file path=ppt/slides/slide17.xml><?xml version="1.0" encoding="utf-8"?>
 <p:sld xmlns:a="http://schemas.openxmlformats.org/drawingml/2006/main" xmlns:r="http://schemas.openxmlformats.org/officeDocument/2006/relationships" xmlns:p="http://schemas.openxmlformats.org/presentationml/2006/main">
   <p:cSld>
     <p:spTree>
@@ -4575,7 +4796,12 @@
             <p:ph type="title"/>
           </p:nvPr>
         </p:nvSpPr>
-        <p:spPr/>
+        <p:spPr>
+          <a:xfrm>
+            <a:off x="1638300" y="533400"/>
+            <a:ext cx="5867400" cy="990600"/>
+          </a:xfrm>
+        </p:spPr>
         <p:txBody>
           <a:bodyPr/>
           <a:lstStyle/>
@@ -4748,13 +4974,13 @@
   <p:clrMapOvr>
     <a:masterClrMapping/>
   </p:clrMapOvr>
-  <mc:AlternateContent xmlns:mc="http://schemas.openxmlformats.org/markup-compatibility/2006">
-    <mc:Choice xmlns:p14="http://schemas.microsoft.com/office/powerpoint/2010/main" Requires="p14">
+  <mc:AlternateContent xmlns:mc="http://schemas.openxmlformats.org/markup-compatibility/2006" xmlns:p14="http://schemas.microsoft.com/office/powerpoint/2010/main">
+    <mc:Choice Requires="p14">
       <p:transition p14:dur="100">
         <p:cut/>
       </p:transition>
     </mc:Choice>
-    <mc:Fallback>
+    <mc:Fallback xmlns="">
       <p:transition>
         <p:cut/>
       </p:transition>
@@ -4770,7 +4996,7 @@
 </p:sld>
 </file>
 
-<file path=ppt/slides/slide17.xml><?xml version="1.0" encoding="utf-8"?>
+<file path=ppt/slides/slide18.xml><?xml version="1.0" encoding="utf-8"?>
 <p:sld xmlns:a="http://schemas.openxmlformats.org/drawingml/2006/main" xmlns:r="http://schemas.openxmlformats.org/officeDocument/2006/relationships" xmlns:p="http://schemas.openxmlformats.org/presentationml/2006/main">
   <p:cSld>
     <p:spTree>
@@ -4834,33 +5060,7 @@
                   </a:outerShdw>
                 </a:effectLst>
               </a:rPr>
-              <a:t>!! Thank </a:t>
-            </a:r>
-            <a:r>
-              <a:rPr lang="en-US" sz="8000" b="1" spc="0" dirty="0" smtClean="0">
-                <a:ln w="12700">
-                  <a:solidFill>
-                    <a:schemeClr val="tx2">
-                      <a:satMod val="155000"/>
-                    </a:schemeClr>
-                  </a:solidFill>
-                  <a:prstDash val="solid"/>
-                </a:ln>
-                <a:solidFill>
-                  <a:schemeClr val="bg2">
-                    <a:tint val="85000"/>
-                    <a:satMod val="155000"/>
-                  </a:schemeClr>
-                </a:solidFill>
-                <a:effectLst>
-                  <a:outerShdw blurRad="41275" dist="20320" dir="1800000" algn="tl" rotWithShape="0">
-                    <a:srgbClr val="000000">
-                      <a:alpha val="40000"/>
-                    </a:srgbClr>
-                  </a:outerShdw>
-                </a:effectLst>
-              </a:rPr>
-              <a:t>You !!</a:t>
+              <a:t>!! Thank You !!</a:t>
             </a:r>
             <a:endParaRPr lang="en-US" sz="8000" b="1" spc="0" dirty="0">
               <a:ln w="12700">
@@ -4898,13 +5098,13 @@
   <p:clrMapOvr>
     <a:masterClrMapping/>
   </p:clrMapOvr>
-  <mc:AlternateContent xmlns:mc="http://schemas.openxmlformats.org/markup-compatibility/2006">
-    <mc:Choice xmlns:p14="http://schemas.microsoft.com/office/powerpoint/2010/main" Requires="p14">
+  <mc:AlternateContent xmlns:mc="http://schemas.openxmlformats.org/markup-compatibility/2006" xmlns:p14="http://schemas.microsoft.com/office/powerpoint/2010/main">
+    <mc:Choice Requires="p14">
       <p:transition p14:dur="100">
         <p:cut/>
       </p:transition>
     </mc:Choice>
-    <mc:Fallback>
+    <mc:Fallback xmlns="">
       <p:transition>
         <p:cut/>
       </p:transition>
@@ -5055,13 +5255,13 @@
   <p:clrMapOvr>
     <a:masterClrMapping/>
   </p:clrMapOvr>
-  <mc:AlternateContent xmlns:mc="http://schemas.openxmlformats.org/markup-compatibility/2006">
-    <mc:Choice xmlns:p14="http://schemas.microsoft.com/office/powerpoint/2010/main" Requires="p14">
+  <mc:AlternateContent xmlns:mc="http://schemas.openxmlformats.org/markup-compatibility/2006" xmlns:p14="http://schemas.microsoft.com/office/powerpoint/2010/main">
+    <mc:Choice Requires="p14">
       <p:transition p14:dur="100">
         <p:cut/>
       </p:transition>
     </mc:Choice>
-    <mc:Fallback>
+    <mc:Fallback xmlns="">
       <p:transition>
         <p:cut/>
       </p:transition>
@@ -5104,14 +5304,19 @@
             <p:ph type="title"/>
           </p:nvPr>
         </p:nvSpPr>
-        <p:spPr/>
+        <p:spPr>
+          <a:xfrm>
+            <a:off x="3619500" y="228600"/>
+            <a:ext cx="1905000" cy="990600"/>
+          </a:xfrm>
+        </p:spPr>
         <p:txBody>
           <a:bodyPr/>
           <a:lstStyle/>
           <a:p>
             <a:r>
               <a:rPr lang="en-US" dirty="0" smtClean="0"/>
-              <a:t>Contents</a:t>
+              <a:t>Agenda</a:t>
             </a:r>
             <a:endParaRPr lang="en-US" dirty="0"/>
           </a:p>
@@ -5127,132 +5332,222 @@
             <p:ph idx="1"/>
           </p:nvPr>
         </p:nvSpPr>
-        <p:spPr/>
-        <p:txBody>
-          <a:bodyPr/>
-          <a:lstStyle/>
-          <a:p>
-            <a:r>
-              <a:rPr lang="en-US" dirty="0" smtClean="0"/>
+        <p:spPr>
+          <a:xfrm>
+            <a:off x="152400" y="1219200"/>
+            <a:ext cx="8686800" cy="5257800"/>
+          </a:xfrm>
+        </p:spPr>
+        <p:style>
+          <a:lnRef idx="2">
+            <a:schemeClr val="accent6"/>
+          </a:lnRef>
+          <a:fillRef idx="1">
+            <a:schemeClr val="lt1"/>
+          </a:fillRef>
+          <a:effectRef idx="0">
+            <a:schemeClr val="accent6"/>
+          </a:effectRef>
+          <a:fontRef idx="minor">
+            <a:schemeClr val="dk1"/>
+          </a:fontRef>
+        </p:style>
+        <p:txBody>
+          <a:bodyPr>
+            <a:normAutofit lnSpcReduction="10000"/>
+          </a:bodyPr>
+          <a:lstStyle/>
+          <a:p>
+            <a:r>
+              <a:rPr lang="en-US" sz="1800" dirty="0" smtClean="0">
+                <a:solidFill>
+                  <a:srgbClr val="FF0000"/>
+                </a:solidFill>
+                <a:latin typeface="Algerian" pitchFamily="82" charset="0"/>
+              </a:rPr>
+              <a:t>Part 1</a:t>
+            </a:r>
+          </a:p>
+          <a:p>
+            <a:r>
+              <a:rPr lang="en-US" sz="1800" dirty="0"/>
               <a:t>Introduction to </a:t>
             </a:r>
             <a:r>
-              <a:rPr lang="en-US" dirty="0" err="1" smtClean="0"/>
+              <a:rPr lang="en-US" sz="1800" dirty="0" err="1"/>
               <a:t>IoT</a:t>
             </a:r>
-            <a:endParaRPr lang="en-US" dirty="0" smtClean="0"/>
-          </a:p>
-          <a:p>
-            <a:r>
-              <a:rPr lang="en-US" dirty="0" smtClean="0"/>
-              <a:t>History</a:t>
-            </a:r>
-          </a:p>
-          <a:p>
-            <a:r>
-              <a:rPr lang="en-US" dirty="0" smtClean="0"/>
-              <a:t>Evolution of </a:t>
-            </a:r>
-            <a:r>
-              <a:rPr lang="en-US" dirty="0" err="1" smtClean="0"/>
+            <a:endParaRPr lang="en-US" sz="1800" dirty="0"/>
+          </a:p>
+          <a:p>
+            <a:r>
+              <a:rPr lang="en-US" sz="1800" dirty="0" err="1"/>
+              <a:t>History,Evolution</a:t>
+            </a:r>
+            <a:r>
+              <a:rPr lang="en-US" sz="1800" dirty="0"/>
+              <a:t> of </a:t>
+            </a:r>
+            <a:r>
+              <a:rPr lang="en-US" sz="1800" dirty="0" err="1"/>
               <a:t>IoT</a:t>
             </a:r>
-            <a:endParaRPr lang="en-US" dirty="0" smtClean="0"/>
-          </a:p>
-          <a:p>
-            <a:r>
-              <a:rPr lang="en-US" dirty="0" err="1" smtClean="0"/>
+            <a:endParaRPr lang="en-US" sz="1800" dirty="0"/>
+          </a:p>
+          <a:p>
+            <a:r>
+              <a:rPr lang="en-US" sz="1800" dirty="0" err="1"/>
               <a:t>IoT</a:t>
             </a:r>
             <a:r>
-              <a:rPr lang="en-US" dirty="0" smtClean="0"/>
-              <a:t> Architecture</a:t>
-            </a:r>
-          </a:p>
-          <a:p>
-            <a:r>
-              <a:rPr lang="en-US" dirty="0" err="1" smtClean="0"/>
+              <a:rPr lang="en-US" sz="1800" dirty="0"/>
+              <a:t> </a:t>
+            </a:r>
+            <a:r>
+              <a:rPr lang="en-US" sz="1800" dirty="0" err="1"/>
+              <a:t>Architecture,IoT</a:t>
+            </a:r>
+            <a:r>
+              <a:rPr lang="en-US" sz="1800" dirty="0"/>
+              <a:t> Architecture Layers</a:t>
+            </a:r>
+          </a:p>
+          <a:p>
+            <a:r>
+              <a:rPr lang="en-US" sz="1800" dirty="0" err="1"/>
               <a:t>IoT</a:t>
             </a:r>
             <a:r>
-              <a:rPr lang="en-US" dirty="0" smtClean="0"/>
-              <a:t> Architecture Layers</a:t>
-            </a:r>
-          </a:p>
-          <a:p>
-            <a:r>
-              <a:rPr lang="en-US" dirty="0" err="1" smtClean="0"/>
-              <a:t>IoT</a:t>
-            </a:r>
-            <a:r>
-              <a:rPr lang="en-US" dirty="0" smtClean="0"/>
+              <a:rPr lang="en-US" sz="1800" dirty="0"/>
               <a:t> Devices and Components</a:t>
             </a:r>
           </a:p>
           <a:p>
             <a:r>
-              <a:rPr lang="en-US" dirty="0" smtClean="0"/>
+              <a:rPr lang="en-US" sz="1800" dirty="0"/>
               <a:t>Advantages &amp; Disadvantages</a:t>
             </a:r>
           </a:p>
           <a:p>
             <a:r>
-              <a:rPr lang="en-US" dirty="0" smtClean="0"/>
+              <a:rPr lang="en-US" sz="1800" dirty="0"/>
               <a:t>Application</a:t>
             </a:r>
           </a:p>
           <a:p>
             <a:r>
-              <a:rPr lang="en-US" dirty="0" err="1" smtClean="0"/>
+              <a:rPr lang="en-US" sz="1800" dirty="0" err="1"/>
               <a:t>Iot</a:t>
             </a:r>
             <a:r>
-              <a:rPr lang="en-US" dirty="0" smtClean="0"/>
-              <a:t> Impact on Economy</a:t>
-            </a:r>
-          </a:p>
-          <a:p>
-            <a:endParaRPr lang="en-US" dirty="0" smtClean="0"/>
-          </a:p>
-          <a:p>
-            <a:endParaRPr lang="en-US" dirty="0" smtClean="0"/>
-          </a:p>
-          <a:p>
-            <a:endParaRPr lang="en-US" dirty="0" smtClean="0"/>
-          </a:p>
-          <a:p>
-            <a:endParaRPr lang="en-US" dirty="0" smtClean="0"/>
-          </a:p>
-          <a:p>
-            <a:pPr marL="0" indent="0">
-              <a:buNone/>
-            </a:pPr>
-            <a:endParaRPr lang="en-US" dirty="0" smtClean="0"/>
+              <a:rPr lang="en-US" sz="1800" dirty="0"/>
+              <a:t> Impact on </a:t>
+            </a:r>
+            <a:r>
+              <a:rPr lang="en-US" sz="1800" dirty="0" smtClean="0"/>
+              <a:t>Economy</a:t>
+            </a:r>
+          </a:p>
+          <a:p>
+            <a:endParaRPr lang="en-US" sz="1800" dirty="0"/>
+          </a:p>
+          <a:p>
+            <a:r>
+              <a:rPr lang="en-US" sz="1800" dirty="0" smtClean="0">
+                <a:solidFill>
+                  <a:srgbClr val="FF0000"/>
+                </a:solidFill>
+                <a:latin typeface="Algerian" pitchFamily="82" charset="0"/>
+              </a:rPr>
+              <a:t>Part 2</a:t>
+            </a:r>
+          </a:p>
+          <a:p>
+            <a:r>
+              <a:rPr lang="en-US" sz="1800" dirty="0" smtClean="0"/>
+              <a:t>Workshop </a:t>
+            </a:r>
+            <a:r>
+              <a:rPr lang="en-US" sz="1800" dirty="0" err="1" smtClean="0"/>
+              <a:t>Practicals</a:t>
+            </a:r>
+            <a:endParaRPr lang="en-US" sz="1800" dirty="0" smtClean="0"/>
+          </a:p>
+          <a:p>
+            <a:pPr lvl="1"/>
+            <a:r>
+              <a:rPr lang="en-US" sz="1800" dirty="0" smtClean="0"/>
+              <a:t>Introduction to Raspberry Pi</a:t>
+            </a:r>
+          </a:p>
+          <a:p>
+            <a:pPr lvl="1"/>
+            <a:r>
+              <a:rPr lang="en-US" sz="1800" dirty="0" smtClean="0"/>
+              <a:t>Raspberry Pi OS Installation</a:t>
+            </a:r>
+          </a:p>
+          <a:p>
+            <a:pPr lvl="1"/>
+            <a:r>
+              <a:rPr lang="en-US" sz="1800" dirty="0" smtClean="0"/>
+              <a:t>Interfacing of sensors with Raspberry pi</a:t>
+            </a:r>
+          </a:p>
+          <a:p>
+            <a:pPr lvl="1"/>
+            <a:r>
+              <a:rPr lang="en-US" sz="1800" dirty="0" smtClean="0"/>
+              <a:t>Introduction to </a:t>
+            </a:r>
+            <a:r>
+              <a:rPr lang="en-US" sz="1800" dirty="0" err="1" smtClean="0"/>
+              <a:t>ThingSpeak</a:t>
+            </a:r>
+            <a:r>
+              <a:rPr lang="en-US" sz="1800" dirty="0" smtClean="0"/>
+              <a:t> (IOT Cloud) &amp; Using cloud to visualize the sensor data</a:t>
+            </a:r>
+          </a:p>
+          <a:p>
+            <a:pPr lvl="1"/>
+            <a:r>
+              <a:rPr lang="en-US" sz="1800" dirty="0" smtClean="0"/>
+              <a:t>Use of </a:t>
+            </a:r>
+            <a:r>
+              <a:rPr lang="en-US" sz="1800" dirty="0" err="1" smtClean="0"/>
+              <a:t>RealVNC</a:t>
+            </a:r>
+            <a:r>
+              <a:rPr lang="en-US" sz="1800" dirty="0" smtClean="0"/>
+              <a:t> as Raspberry Pi Controller</a:t>
+            </a:r>
+          </a:p>
+          <a:p>
+            <a:pPr lvl="1"/>
+            <a:endParaRPr lang="en-US" sz="1800" dirty="0" smtClean="0"/>
+          </a:p>
+          <a:p>
+            <a:pPr lvl="1"/>
+            <a:endParaRPr lang="en-US" sz="1800" dirty="0" smtClean="0"/>
+          </a:p>
+          <a:p>
+            <a:pPr lvl="1"/>
+            <a:endParaRPr lang="en-US" sz="1800" dirty="0" smtClean="0"/>
           </a:p>
         </p:txBody>
       </p:sp>
     </p:spTree>
     <p:extLst>
       <p:ext uri="{BB962C8B-B14F-4D97-AF65-F5344CB8AC3E}">
-        <p14:creationId xmlns:p14="http://schemas.microsoft.com/office/powerpoint/2010/main" val="1823432780"/>
+        <p14:creationId xmlns:p14="http://schemas.microsoft.com/office/powerpoint/2010/main" val="2419496"/>
       </p:ext>
     </p:extLst>
   </p:cSld>
   <p:clrMapOvr>
     <a:masterClrMapping/>
   </p:clrMapOvr>
-  <mc:AlternateContent xmlns:mc="http://schemas.openxmlformats.org/markup-compatibility/2006">
-    <mc:Choice xmlns:p14="http://schemas.microsoft.com/office/powerpoint/2010/main" Requires="p14">
-      <p:transition p14:dur="100">
-        <p:cut/>
-      </p:transition>
-    </mc:Choice>
-    <mc:Fallback>
-      <p:transition>
-        <p:cut/>
-      </p:transition>
-    </mc:Fallback>
-  </mc:AlternateContent>
   <p:timing>
     <p:tnLst>
       <p:par>
@@ -5290,18 +5585,19 @@
             <p:ph type="title"/>
           </p:nvPr>
         </p:nvSpPr>
-        <p:spPr/>
+        <p:spPr>
+          <a:xfrm>
+            <a:off x="3467100" y="457200"/>
+            <a:ext cx="2209800" cy="990600"/>
+          </a:xfrm>
+        </p:spPr>
         <p:txBody>
           <a:bodyPr/>
           <a:lstStyle/>
           <a:p>
             <a:r>
               <a:rPr lang="en-US" dirty="0" smtClean="0"/>
-              <a:t>Introduction to </a:t>
-            </a:r>
-            <a:r>
-              <a:rPr lang="en-US" dirty="0" err="1" smtClean="0"/>
-              <a:t>IoT</a:t>
+              <a:t>Contents</a:t>
             </a:r>
             <a:endParaRPr lang="en-US" dirty="0"/>
           </a:p>
@@ -5320,151 +5616,140 @@
         <p:spPr>
           <a:xfrm>
             <a:off x="457200" y="1371600"/>
-            <a:ext cx="8229600" cy="5181600"/>
+            <a:ext cx="8229600" cy="5105400"/>
           </a:xfrm>
         </p:spPr>
         <p:txBody>
           <a:bodyPr/>
           <a:lstStyle/>
           <a:p>
-            <a:pPr lvl="1"/>
+            <a:r>
+              <a:rPr lang="en-US" dirty="0" smtClean="0"/>
+              <a:t>Introduction to </a:t>
+            </a:r>
             <a:r>
               <a:rPr lang="en-US" dirty="0" err="1" smtClean="0"/>
               <a:t>IoT</a:t>
             </a:r>
+            <a:endParaRPr lang="en-US" dirty="0" smtClean="0"/>
+          </a:p>
+          <a:p>
+            <a:r>
+              <a:rPr lang="en-US" dirty="0" err="1" smtClean="0"/>
+              <a:t>History,Evolution</a:t>
+            </a:r>
             <a:r>
               <a:rPr lang="en-US" dirty="0" smtClean="0"/>
-              <a:t> stands for Internet of Things</a:t>
-            </a:r>
-          </a:p>
-          <a:p>
-            <a:pPr lvl="1"/>
+              <a:t> </a:t>
+            </a:r>
+            <a:r>
+              <a:rPr lang="en-US" dirty="0" smtClean="0"/>
+              <a:t>of </a:t>
+            </a:r>
             <a:r>
               <a:rPr lang="en-US" dirty="0" err="1" smtClean="0"/>
               <a:t>IoT</a:t>
             </a:r>
+            <a:endParaRPr lang="en-US" dirty="0" smtClean="0"/>
+          </a:p>
+          <a:p>
+            <a:r>
+              <a:rPr lang="en-US" dirty="0" err="1" smtClean="0"/>
+              <a:t>IoT</a:t>
+            </a:r>
             <a:r>
               <a:rPr lang="en-US" dirty="0" smtClean="0"/>
-              <a:t> refers </a:t>
-            </a:r>
-            <a:r>
-              <a:rPr lang="en-US" dirty="0"/>
-              <a:t>to a network of interconnected physical devices, vehicles, buildings, and other objects that are embedded with sensors, actuators, and software. </a:t>
-            </a:r>
+              <a:t> </a:t>
+            </a:r>
+            <a:r>
+              <a:rPr lang="en-US" dirty="0" err="1" smtClean="0"/>
+              <a:t>Architecture,IoT</a:t>
+            </a:r>
+            <a:r>
+              <a:rPr lang="en-US" dirty="0" smtClean="0"/>
+              <a:t> </a:t>
+            </a:r>
+            <a:r>
+              <a:rPr lang="en-US" dirty="0" smtClean="0"/>
+              <a:t>Architecture Layers</a:t>
+            </a:r>
+          </a:p>
+          <a:p>
+            <a:r>
+              <a:rPr lang="en-US" dirty="0" err="1" smtClean="0"/>
+              <a:t>IoT</a:t>
+            </a:r>
+            <a:r>
+              <a:rPr lang="en-US" dirty="0" smtClean="0"/>
+              <a:t> Devices and Components</a:t>
+            </a:r>
+          </a:p>
+          <a:p>
+            <a:r>
+              <a:rPr lang="en-US" dirty="0" smtClean="0"/>
+              <a:t>Advantages &amp; Disadvantages</a:t>
+            </a:r>
+          </a:p>
+          <a:p>
+            <a:r>
+              <a:rPr lang="en-US" dirty="0" smtClean="0"/>
+              <a:t>Application</a:t>
+            </a:r>
+          </a:p>
+          <a:p>
+            <a:r>
+              <a:rPr lang="en-US" dirty="0" err="1" smtClean="0"/>
+              <a:t>Iot</a:t>
+            </a:r>
+            <a:r>
+              <a:rPr lang="en-US" dirty="0" smtClean="0"/>
+              <a:t> Impact on </a:t>
+            </a:r>
+            <a:r>
+              <a:rPr lang="en-US" dirty="0" smtClean="0"/>
+              <a:t>Economy</a:t>
+            </a:r>
+          </a:p>
+          <a:p>
             <a:endParaRPr lang="en-US" dirty="0" smtClean="0"/>
           </a:p>
           <a:p>
-            <a:pPr lvl="1"/>
-            <a:r>
-              <a:rPr lang="en-US" dirty="0"/>
-              <a:t>These devices are equipped to collect and exchange data over the </a:t>
-            </a:r>
-            <a:r>
-              <a:rPr lang="en-US" dirty="0" smtClean="0"/>
-              <a:t>internet, enabling </a:t>
-            </a:r>
-            <a:r>
-              <a:rPr lang="en-US" dirty="0"/>
-              <a:t>them to communicate and interact with each other without direct human intervention</a:t>
-            </a:r>
-            <a:r>
-              <a:rPr lang="en-US" dirty="0" smtClean="0"/>
-              <a:t>.</a:t>
-            </a:r>
-          </a:p>
-          <a:p>
-            <a:pPr lvl="1"/>
-            <a:r>
-              <a:rPr lang="en-US" i="1" dirty="0"/>
-              <a:t>“anytime, anyplace, anything in connectivity.”</a:t>
-            </a:r>
             <a:endParaRPr lang="en-US" dirty="0" smtClean="0"/>
           </a:p>
           <a:p>
-            <a:pPr marL="274320" lvl="1" indent="0" algn="ctr">
+            <a:endParaRPr lang="en-US" dirty="0" smtClean="0"/>
+          </a:p>
+          <a:p>
+            <a:endParaRPr lang="en-US" dirty="0" smtClean="0"/>
+          </a:p>
+          <a:p>
+            <a:endParaRPr lang="en-US" dirty="0" smtClean="0"/>
+          </a:p>
+          <a:p>
+            <a:pPr marL="0" indent="0">
               <a:buNone/>
             </a:pPr>
-            <a:r>
-              <a:rPr lang="en-US" b="1" dirty="0" smtClean="0"/>
-              <a:t>Internet of Things</a:t>
-            </a:r>
-            <a:endParaRPr lang="en-US" b="1" dirty="0"/>
-          </a:p>
-          <a:p>
-            <a:pPr marL="274320" lvl="1" indent="0">
-              <a:buNone/>
-            </a:pPr>
-            <a:r>
-              <a:rPr lang="en-US" b="1" dirty="0" smtClean="0"/>
-              <a:t>Internet</a:t>
-            </a:r>
-            <a:r>
-              <a:rPr lang="en-US" dirty="0" smtClean="0"/>
-              <a:t>: </a:t>
-            </a:r>
-          </a:p>
-          <a:p>
-            <a:pPr marL="274320" lvl="1" indent="0">
-              <a:buNone/>
-            </a:pPr>
-            <a:r>
-              <a:rPr lang="en-US" dirty="0"/>
-              <a:t>	</a:t>
-            </a:r>
-            <a:r>
-              <a:rPr lang="en-US" dirty="0" smtClean="0"/>
-              <a:t>The </a:t>
-            </a:r>
-            <a:r>
-              <a:rPr lang="en-US" dirty="0"/>
-              <a:t>Internet is a global network of billions of computers and </a:t>
-            </a:r>
-            <a:r>
-              <a:rPr lang="en-US" dirty="0" smtClean="0"/>
-              <a:t>	other </a:t>
-            </a:r>
-            <a:r>
-              <a:rPr lang="en-US" dirty="0"/>
-              <a:t>electronic </a:t>
-            </a:r>
-            <a:r>
-              <a:rPr lang="en-US" dirty="0" smtClean="0"/>
-              <a:t>devices</a:t>
-            </a:r>
-          </a:p>
-          <a:p>
-            <a:pPr marL="274320" lvl="1" indent="0">
-              <a:buNone/>
-            </a:pPr>
-            <a:r>
-              <a:rPr lang="en-US" b="1" dirty="0" smtClean="0"/>
-              <a:t>Things</a:t>
-            </a:r>
-            <a:r>
-              <a:rPr lang="en-US" dirty="0" smtClean="0"/>
-              <a:t>: Physical objects, devices.</a:t>
-            </a:r>
-            <a:endParaRPr lang="en-US" dirty="0"/>
+            <a:endParaRPr lang="en-US" dirty="0" smtClean="0"/>
           </a:p>
         </p:txBody>
       </p:sp>
     </p:spTree>
     <p:extLst>
       <p:ext uri="{BB962C8B-B14F-4D97-AF65-F5344CB8AC3E}">
-        <p14:creationId xmlns:p14="http://schemas.microsoft.com/office/powerpoint/2010/main" val="1079337446"/>
+        <p14:creationId xmlns:p14="http://schemas.microsoft.com/office/powerpoint/2010/main" val="1823432780"/>
       </p:ext>
     </p:extLst>
   </p:cSld>
   <p:clrMapOvr>
     <a:masterClrMapping/>
   </p:clrMapOvr>
-  <mc:AlternateContent xmlns:mc="http://schemas.openxmlformats.org/markup-compatibility/2006">
-    <mc:Choice xmlns:p14="http://schemas.microsoft.com/office/powerpoint/2010/main" Requires="p14">
+  <mc:AlternateContent xmlns:mc="http://schemas.openxmlformats.org/markup-compatibility/2006" xmlns:p14="http://schemas.microsoft.com/office/powerpoint/2010/main">
+    <mc:Choice Requires="p14">
       <p:transition p14:dur="100">
         <p:cut/>
       </p:transition>
     </mc:Choice>
-    <mc:Fallback>
+    <mc:Fallback xmlns="">
       <p:transition>
         <p:cut/>
       </p:transition>
@@ -5507,7 +5792,236 @@
             <p:ph type="title"/>
           </p:nvPr>
         </p:nvSpPr>
-        <p:spPr/>
+        <p:spPr>
+          <a:xfrm>
+            <a:off x="2667000" y="533400"/>
+            <a:ext cx="3810000" cy="990600"/>
+          </a:xfrm>
+        </p:spPr>
+        <p:txBody>
+          <a:bodyPr>
+            <a:normAutofit fontScale="90000"/>
+          </a:bodyPr>
+          <a:lstStyle/>
+          <a:p>
+            <a:r>
+              <a:rPr lang="en-US" dirty="0" smtClean="0"/>
+              <a:t>Introduction to </a:t>
+            </a:r>
+            <a:r>
+              <a:rPr lang="en-US" dirty="0" err="1" smtClean="0"/>
+              <a:t>IoT</a:t>
+            </a:r>
+            <a:endParaRPr lang="en-US" dirty="0"/>
+          </a:p>
+        </p:txBody>
+      </p:sp>
+      <p:sp>
+        <p:nvSpPr>
+          <p:cNvPr id="3" name="Content Placeholder 2"/>
+          <p:cNvSpPr>
+            <a:spLocks noGrp="1"/>
+          </p:cNvSpPr>
+          <p:nvPr>
+            <p:ph idx="1"/>
+          </p:nvPr>
+        </p:nvSpPr>
+        <p:spPr>
+          <a:xfrm>
+            <a:off x="457200" y="1371600"/>
+            <a:ext cx="8229600" cy="5181600"/>
+          </a:xfrm>
+        </p:spPr>
+        <p:txBody>
+          <a:bodyPr/>
+          <a:lstStyle/>
+          <a:p>
+            <a:pPr lvl="1"/>
+            <a:r>
+              <a:rPr lang="en-US" dirty="0" err="1" smtClean="0"/>
+              <a:t>IoT</a:t>
+            </a:r>
+            <a:r>
+              <a:rPr lang="en-US" dirty="0" smtClean="0"/>
+              <a:t> stands for Internet of Things</a:t>
+            </a:r>
+          </a:p>
+          <a:p>
+            <a:pPr lvl="1"/>
+            <a:r>
+              <a:rPr lang="en-US" dirty="0" err="1" smtClean="0"/>
+              <a:t>IoT</a:t>
+            </a:r>
+            <a:r>
+              <a:rPr lang="en-US" dirty="0" smtClean="0"/>
+              <a:t> refers </a:t>
+            </a:r>
+            <a:r>
+              <a:rPr lang="en-US" dirty="0"/>
+              <a:t>to a network of interconnected physical devices, vehicles, buildings, and other objects that are embedded with sensors, actuators, and software. </a:t>
+            </a:r>
+            <a:endParaRPr lang="en-US" dirty="0" smtClean="0"/>
+          </a:p>
+          <a:p>
+            <a:pPr lvl="1"/>
+            <a:r>
+              <a:rPr lang="en-US" dirty="0"/>
+              <a:t>These devices are equipped to collect and exchange data over the </a:t>
+            </a:r>
+            <a:r>
+              <a:rPr lang="en-US" dirty="0" smtClean="0"/>
+              <a:t>internet, enabling </a:t>
+            </a:r>
+            <a:r>
+              <a:rPr lang="en-US" dirty="0"/>
+              <a:t>them to communicate and interact with each other without direct human intervention</a:t>
+            </a:r>
+            <a:r>
+              <a:rPr lang="en-US" dirty="0" smtClean="0"/>
+              <a:t>.</a:t>
+            </a:r>
+          </a:p>
+          <a:p>
+            <a:pPr lvl="1"/>
+            <a:r>
+              <a:rPr lang="en-US" i="1" dirty="0"/>
+              <a:t>“anytime, anyplace, anything in connectivity.”</a:t>
+            </a:r>
+            <a:endParaRPr lang="en-US" dirty="0" smtClean="0"/>
+          </a:p>
+          <a:p>
+            <a:pPr marL="274320" lvl="1" indent="0" algn="ctr">
+              <a:buNone/>
+            </a:pPr>
+            <a:r>
+              <a:rPr lang="en-US" b="1" dirty="0" smtClean="0"/>
+              <a:t>Internet of Things</a:t>
+            </a:r>
+            <a:endParaRPr lang="en-US" b="1" dirty="0"/>
+          </a:p>
+          <a:p>
+            <a:pPr marL="274320" lvl="1" indent="0">
+              <a:buNone/>
+            </a:pPr>
+            <a:r>
+              <a:rPr lang="en-US" b="1" dirty="0" smtClean="0"/>
+              <a:t>Internet</a:t>
+            </a:r>
+            <a:r>
+              <a:rPr lang="en-US" dirty="0" smtClean="0"/>
+              <a:t>: </a:t>
+            </a:r>
+          </a:p>
+          <a:p>
+            <a:pPr marL="274320" lvl="1" indent="0">
+              <a:buNone/>
+            </a:pPr>
+            <a:r>
+              <a:rPr lang="en-US" dirty="0"/>
+              <a:t>	</a:t>
+            </a:r>
+            <a:r>
+              <a:rPr lang="en-US" dirty="0" smtClean="0"/>
+              <a:t>The </a:t>
+            </a:r>
+            <a:r>
+              <a:rPr lang="en-US" dirty="0"/>
+              <a:t>Internet is a global network of billions of computers and </a:t>
+            </a:r>
+            <a:r>
+              <a:rPr lang="en-US" dirty="0" smtClean="0"/>
+              <a:t>	other </a:t>
+            </a:r>
+            <a:r>
+              <a:rPr lang="en-US" dirty="0"/>
+              <a:t>electronic </a:t>
+            </a:r>
+            <a:r>
+              <a:rPr lang="en-US" dirty="0" smtClean="0"/>
+              <a:t>devices</a:t>
+            </a:r>
+          </a:p>
+          <a:p>
+            <a:pPr marL="274320" lvl="1" indent="0">
+              <a:buNone/>
+            </a:pPr>
+            <a:r>
+              <a:rPr lang="en-US" b="1" dirty="0" smtClean="0"/>
+              <a:t>Things</a:t>
+            </a:r>
+            <a:r>
+              <a:rPr lang="en-US" dirty="0" smtClean="0"/>
+              <a:t>: Physical objects, devices.</a:t>
+            </a:r>
+            <a:endParaRPr lang="en-US" dirty="0"/>
+          </a:p>
+        </p:txBody>
+      </p:sp>
+    </p:spTree>
+    <p:extLst>
+      <p:ext uri="{BB962C8B-B14F-4D97-AF65-F5344CB8AC3E}">
+        <p14:creationId xmlns:p14="http://schemas.microsoft.com/office/powerpoint/2010/main" val="1079337446"/>
+      </p:ext>
+    </p:extLst>
+  </p:cSld>
+  <p:clrMapOvr>
+    <a:masterClrMapping/>
+  </p:clrMapOvr>
+  <mc:AlternateContent xmlns:mc="http://schemas.openxmlformats.org/markup-compatibility/2006" xmlns:p14="http://schemas.microsoft.com/office/powerpoint/2010/main">
+    <mc:Choice Requires="p14">
+      <p:transition p14:dur="100">
+        <p:cut/>
+      </p:transition>
+    </mc:Choice>
+    <mc:Fallback xmlns="">
+      <p:transition>
+        <p:cut/>
+      </p:transition>
+    </mc:Fallback>
+  </mc:AlternateContent>
+  <p:timing>
+    <p:tnLst>
+      <p:par>
+        <p:cTn id="1" dur="indefinite" restart="never" nodeType="tmRoot"/>
+      </p:par>
+    </p:tnLst>
+  </p:timing>
+</p:sld>
+</file>
+
+<file path=ppt/slides/slide6.xml><?xml version="1.0" encoding="utf-8"?>
+<p:sld xmlns:a="http://schemas.openxmlformats.org/drawingml/2006/main" xmlns:r="http://schemas.openxmlformats.org/officeDocument/2006/relationships" xmlns:p="http://schemas.openxmlformats.org/presentationml/2006/main">
+  <p:cSld>
+    <p:spTree>
+      <p:nvGrpSpPr>
+        <p:cNvPr id="1" name=""/>
+        <p:cNvGrpSpPr/>
+        <p:nvPr/>
+      </p:nvGrpSpPr>
+      <p:grpSpPr>
+        <a:xfrm>
+          <a:off x="0" y="0"/>
+          <a:ext cx="0" cy="0"/>
+          <a:chOff x="0" y="0"/>
+          <a:chExt cx="0" cy="0"/>
+        </a:xfrm>
+      </p:grpSpPr>
+      <p:sp>
+        <p:nvSpPr>
+          <p:cNvPr id="2" name="Title 1"/>
+          <p:cNvSpPr>
+            <a:spLocks noGrp="1"/>
+          </p:cNvSpPr>
+          <p:nvPr>
+            <p:ph type="title"/>
+          </p:nvPr>
+        </p:nvSpPr>
+        <p:spPr>
+          <a:xfrm>
+            <a:off x="2971800" y="533400"/>
+            <a:ext cx="3200400" cy="990600"/>
+          </a:xfrm>
+        </p:spPr>
         <p:txBody>
           <a:bodyPr/>
           <a:lstStyle/>
@@ -5575,13 +6089,13 @@
   <p:clrMapOvr>
     <a:masterClrMapping/>
   </p:clrMapOvr>
-  <mc:AlternateContent xmlns:mc="http://schemas.openxmlformats.org/markup-compatibility/2006">
-    <mc:Choice xmlns:p14="http://schemas.microsoft.com/office/powerpoint/2010/main" Requires="p14">
+  <mc:AlternateContent xmlns:mc="http://schemas.openxmlformats.org/markup-compatibility/2006" xmlns:p14="http://schemas.microsoft.com/office/powerpoint/2010/main">
+    <mc:Choice Requires="p14">
       <p:transition p14:dur="100">
         <p:cut/>
       </p:transition>
     </mc:Choice>
-    <mc:Fallback>
+    <mc:Fallback xmlns="">
       <p:transition>
         <p:cut/>
       </p:transition>
@@ -5597,7 +6111,7 @@
 </p:sld>
 </file>
 
-<file path=ppt/slides/slide6.xml><?xml version="1.0" encoding="utf-8"?>
+<file path=ppt/slides/slide7.xml><?xml version="1.0" encoding="utf-8"?>
 <p:sld xmlns:a="http://schemas.openxmlformats.org/drawingml/2006/main" xmlns:r="http://schemas.openxmlformats.org/officeDocument/2006/relationships" xmlns:p="http://schemas.openxmlformats.org/presentationml/2006/main">
   <p:cSld>
     <p:spTree>
@@ -5727,13 +6241,13 @@
   <p:clrMapOvr>
     <a:masterClrMapping/>
   </p:clrMapOvr>
-  <mc:AlternateContent xmlns:mc="http://schemas.openxmlformats.org/markup-compatibility/2006">
-    <mc:Choice xmlns:p14="http://schemas.microsoft.com/office/powerpoint/2010/main" Requires="p14">
+  <mc:AlternateContent xmlns:mc="http://schemas.openxmlformats.org/markup-compatibility/2006" xmlns:p14="http://schemas.microsoft.com/office/powerpoint/2010/main">
+    <mc:Choice Requires="p14">
       <p:transition p14:dur="100">
         <p:cut/>
       </p:transition>
     </mc:Choice>
-    <mc:Fallback>
+    <mc:Fallback xmlns="">
       <p:transition>
         <p:cut/>
       </p:transition>
@@ -5749,7 +6263,7 @@
 </p:sld>
 </file>
 
-<file path=ppt/slides/slide7.xml><?xml version="1.0" encoding="utf-8"?>
+<file path=ppt/slides/slide8.xml><?xml version="1.0" encoding="utf-8"?>
 <p:sld xmlns:a="http://schemas.openxmlformats.org/drawingml/2006/main" xmlns:r="http://schemas.openxmlformats.org/officeDocument/2006/relationships" xmlns:p="http://schemas.openxmlformats.org/presentationml/2006/main">
   <p:cSld>
     <p:spTree>
@@ -5776,7 +6290,12 @@
             <p:ph type="title"/>
           </p:nvPr>
         </p:nvSpPr>
-        <p:spPr/>
+        <p:spPr>
+          <a:xfrm>
+            <a:off x="2743200" y="533400"/>
+            <a:ext cx="3657600" cy="990600"/>
+          </a:xfrm>
+        </p:spPr>
         <p:txBody>
           <a:bodyPr/>
           <a:lstStyle/>
@@ -5925,7 +6444,7 @@
         </p:blipFill>
         <p:spPr bwMode="auto">
           <a:xfrm>
-            <a:off x="5029200" y="1143000"/>
+            <a:off x="5054030" y="1524000"/>
             <a:ext cx="4166170" cy="3810000"/>
           </a:xfrm>
           <a:prstGeom prst="rect">
@@ -5976,13 +6495,13 @@
   <p:clrMapOvr>
     <a:masterClrMapping/>
   </p:clrMapOvr>
-  <mc:AlternateContent xmlns:mc="http://schemas.openxmlformats.org/markup-compatibility/2006">
-    <mc:Choice xmlns:p14="http://schemas.microsoft.com/office/powerpoint/2010/main" Requires="p14">
+  <mc:AlternateContent xmlns:mc="http://schemas.openxmlformats.org/markup-compatibility/2006" xmlns:p14="http://schemas.microsoft.com/office/powerpoint/2010/main">
+    <mc:Choice Requires="p14">
       <p:transition p14:dur="100">
         <p:cut/>
       </p:transition>
     </mc:Choice>
-    <mc:Fallback>
+    <mc:Fallback xmlns="">
       <p:transition>
         <p:cut/>
       </p:transition>
@@ -5998,7 +6517,7 @@
 </p:sld>
 </file>
 
-<file path=ppt/slides/slide8.xml><?xml version="1.0" encoding="utf-8"?>
+<file path=ppt/slides/slide9.xml><?xml version="1.0" encoding="utf-8"?>
 <p:sld xmlns:a="http://schemas.openxmlformats.org/drawingml/2006/main" xmlns:r="http://schemas.openxmlformats.org/officeDocument/2006/relationships" xmlns:p="http://schemas.openxmlformats.org/presentationml/2006/main">
   <p:cSld>
     <p:spTree>
@@ -6025,7 +6544,12 @@
             <p:ph type="title"/>
           </p:nvPr>
         </p:nvSpPr>
-        <p:spPr/>
+        <p:spPr>
+          <a:xfrm>
+            <a:off x="2095500" y="533400"/>
+            <a:ext cx="4953000" cy="990600"/>
+          </a:xfrm>
+        </p:spPr>
         <p:txBody>
           <a:bodyPr/>
           <a:lstStyle/>
@@ -6093,194 +6617,13 @@
   <p:clrMapOvr>
     <a:masterClrMapping/>
   </p:clrMapOvr>
-  <mc:AlternateContent xmlns:mc="http://schemas.openxmlformats.org/markup-compatibility/2006">
-    <mc:Choice xmlns:p14="http://schemas.microsoft.com/office/powerpoint/2010/main" Requires="p14">
+  <mc:AlternateContent xmlns:mc="http://schemas.openxmlformats.org/markup-compatibility/2006" xmlns:p14="http://schemas.microsoft.com/office/powerpoint/2010/main">
+    <mc:Choice Requires="p14">
       <p:transition p14:dur="100">
         <p:cut/>
       </p:transition>
     </mc:Choice>
-    <mc:Fallback>
-      <p:transition>
-        <p:cut/>
-      </p:transition>
-    </mc:Fallback>
-  </mc:AlternateContent>
-  <p:timing>
-    <p:tnLst>
-      <p:par>
-        <p:cTn id="1" dur="indefinite" restart="never" nodeType="tmRoot"/>
-      </p:par>
-    </p:tnLst>
-  </p:timing>
-</p:sld>
-</file>
-
-<file path=ppt/slides/slide9.xml><?xml version="1.0" encoding="utf-8"?>
-<p:sld xmlns:a="http://schemas.openxmlformats.org/drawingml/2006/main" xmlns:r="http://schemas.openxmlformats.org/officeDocument/2006/relationships" xmlns:p="http://schemas.openxmlformats.org/presentationml/2006/main">
-  <p:cSld>
-    <p:spTree>
-      <p:nvGrpSpPr>
-        <p:cNvPr id="1" name=""/>
-        <p:cNvGrpSpPr/>
-        <p:nvPr/>
-      </p:nvGrpSpPr>
-      <p:grpSpPr>
-        <a:xfrm>
-          <a:off x="0" y="0"/>
-          <a:ext cx="0" cy="0"/>
-          <a:chOff x="0" y="0"/>
-          <a:chExt cx="0" cy="0"/>
-        </a:xfrm>
-      </p:grpSpPr>
-      <p:sp>
-        <p:nvSpPr>
-          <p:cNvPr id="2" name="Title 1"/>
-          <p:cNvSpPr>
-            <a:spLocks noGrp="1"/>
-          </p:cNvSpPr>
-          <p:nvPr>
-            <p:ph type="title"/>
-          </p:nvPr>
-        </p:nvSpPr>
-        <p:spPr/>
-        <p:txBody>
-          <a:bodyPr/>
-          <a:lstStyle/>
-          <a:p>
-            <a:r>
-              <a:rPr lang="en-US" dirty="0" err="1" smtClean="0"/>
-              <a:t>IoT</a:t>
-            </a:r>
-            <a:r>
-              <a:rPr lang="en-US" dirty="0" smtClean="0"/>
-              <a:t> Devices &amp; Components</a:t>
-            </a:r>
-            <a:endParaRPr lang="en-US" dirty="0"/>
-          </a:p>
-        </p:txBody>
-      </p:sp>
-      <p:sp>
-        <p:nvSpPr>
-          <p:cNvPr id="3" name="Content Placeholder 2"/>
-          <p:cNvSpPr>
-            <a:spLocks noGrp="1"/>
-          </p:cNvSpPr>
-          <p:nvPr>
-            <p:ph idx="1"/>
-          </p:nvPr>
-        </p:nvSpPr>
-        <p:spPr/>
-        <p:txBody>
-          <a:bodyPr/>
-          <a:lstStyle/>
-          <a:p>
-            <a:pPr>
-              <a:lnSpc>
-                <a:spcPct val="200000"/>
-              </a:lnSpc>
-            </a:pPr>
-            <a:r>
-              <a:rPr lang="en-US" dirty="0"/>
-              <a:t>Microcontrollers and Microprocessors</a:t>
-            </a:r>
-          </a:p>
-          <a:p>
-            <a:pPr>
-              <a:lnSpc>
-                <a:spcPct val="200000"/>
-              </a:lnSpc>
-            </a:pPr>
-            <a:r>
-              <a:rPr lang="en-US" dirty="0"/>
-              <a:t>Sensors and Actuators</a:t>
-            </a:r>
-          </a:p>
-          <a:p>
-            <a:pPr>
-              <a:lnSpc>
-                <a:spcPct val="200000"/>
-              </a:lnSpc>
-            </a:pPr>
-            <a:r>
-              <a:rPr lang="en-US" dirty="0"/>
-              <a:t>Communication Modules (Wi-Fi, Bluetooth, RFID)</a:t>
-            </a:r>
-          </a:p>
-          <a:p>
-            <a:pPr>
-              <a:lnSpc>
-                <a:spcPct val="200000"/>
-              </a:lnSpc>
-            </a:pPr>
-            <a:r>
-              <a:rPr lang="en-US" dirty="0" err="1"/>
-              <a:t>IoT</a:t>
-            </a:r>
-            <a:r>
-              <a:rPr lang="en-US" dirty="0"/>
-              <a:t> Hardware Platforms (</a:t>
-            </a:r>
-            <a:r>
-              <a:rPr lang="en-US" dirty="0" err="1"/>
-              <a:t>Arduino</a:t>
-            </a:r>
-            <a:r>
-              <a:rPr lang="en-US" dirty="0"/>
-              <a:t>, </a:t>
-            </a:r>
-            <a:r>
-              <a:rPr lang="en-US" dirty="0" err="1" smtClean="0"/>
-              <a:t>NodeMCU</a:t>
-            </a:r>
-            <a:r>
-              <a:rPr lang="en-US" dirty="0" smtClean="0"/>
-              <a:t> esp8266, Raspberry </a:t>
-            </a:r>
-            <a:r>
-              <a:rPr lang="en-US" dirty="0"/>
-              <a:t>Pi</a:t>
-            </a:r>
-            <a:r>
-              <a:rPr lang="en-US" dirty="0" smtClean="0"/>
-              <a:t>)</a:t>
-            </a:r>
-            <a:endParaRPr lang="en-US" dirty="0"/>
-          </a:p>
-          <a:p>
-            <a:pPr>
-              <a:lnSpc>
-                <a:spcPct val="200000"/>
-              </a:lnSpc>
-            </a:pPr>
-            <a:endParaRPr lang="en-US" dirty="0"/>
-          </a:p>
-          <a:p>
-            <a:pPr>
-              <a:lnSpc>
-                <a:spcPct val="200000"/>
-              </a:lnSpc>
-            </a:pPr>
-            <a:endParaRPr lang="en-US" dirty="0"/>
-          </a:p>
-        </p:txBody>
-      </p:sp>
-    </p:spTree>
-    <p:extLst>
-      <p:ext uri="{BB962C8B-B14F-4D97-AF65-F5344CB8AC3E}">
-        <p14:creationId xmlns:p14="http://schemas.microsoft.com/office/powerpoint/2010/main" val="1957181055"/>
-      </p:ext>
-    </p:extLst>
-  </p:cSld>
-  <p:clrMapOvr>
-    <a:masterClrMapping/>
-  </p:clrMapOvr>
-  <mc:AlternateContent xmlns:mc="http://schemas.openxmlformats.org/markup-compatibility/2006">
-    <mc:Choice xmlns:p14="http://schemas.microsoft.com/office/powerpoint/2010/main" Requires="p14">
-      <p:transition p14:dur="100">
-        <p:cut/>
-      </p:transition>
-    </mc:Choice>
-    <mc:Fallback>
+    <mc:Fallback xmlns="">
       <p:transition>
         <p:cut/>
       </p:transition>
